--- a/기획서/SGA1달프로젝트기획서(김형종).pptx
+++ b/기획서/SGA1달프로젝트기획서(김형종).pptx
@@ -37,12 +37,12 @@
   <p:notesSz cx="6858000" cy="9144000"/>
   <p:embeddedFontLst>
     <p:embeddedFont>
-      <p:font typeface="함초롬돋움" charset="-127"/>
+      <p:font typeface="맑은 고딕" panose="020B0503020000020004" pitchFamily="50" charset="-127"/>
       <p:regular r:id="rId25"/>
       <p:bold r:id="rId26"/>
     </p:embeddedFont>
     <p:embeddedFont>
-      <p:font typeface="맑은 고딕" pitchFamily="50" charset="-127"/>
+      <p:font typeface="함초롬돋움" panose="020B0604000101010101" pitchFamily="50" charset="-127"/>
       <p:regular r:id="rId27"/>
       <p:bold r:id="rId28"/>
     </p:embeddedFont>
@@ -144,7 +144,7 @@
   </p:defaultTextStyle>
   <p:extLst>
     <p:ext uri="{EFAFB233-063F-42B5-8137-9DF3F51BA10A}">
-      <p15:sldGuideLst xmlns:p15="http://schemas.microsoft.com/office/powerpoint/2012/main" xmlns="">
+      <p15:sldGuideLst xmlns:p15="http://schemas.microsoft.com/office/powerpoint/2012/main">
         <p15:guide id="1" orient="horz" pos="2158">
           <p15:clr>
             <a:srgbClr val="A4A3A4"/>
@@ -166,7 +166,7 @@
   <p:cmAuthor id="1" name="Windows 사용자" initials="W사" lastIdx="2" clrIdx="0">
     <p:extLst>
       <p:ext uri="{19B8F6BF-5375-455C-9EA6-DF929625EA0E}">
-        <p15:presenceInfo xmlns:p15="http://schemas.microsoft.com/office/powerpoint/2012/main" xmlns="" userId="Windows 사용자" providerId="None"/>
+        <p15:presenceInfo xmlns:p15="http://schemas.microsoft.com/office/powerpoint/2012/main" userId="Windows 사용자" providerId="None"/>
       </p:ext>
     </p:extLst>
   </p:cmAuthor>
@@ -180,7 +180,7 @@
     <p:text/>
     <p:extLst>
       <p:ext uri="{C676402C-5697-4E1C-873F-D02D1690AC5C}">
-        <p15:threadingInfo xmlns:p15="http://schemas.microsoft.com/office/powerpoint/2012/main" xmlns="" timeZoneBias="-540"/>
+        <p15:threadingInfo xmlns:p15="http://schemas.microsoft.com/office/powerpoint/2012/main" timeZoneBias="-540"/>
       </p:ext>
     </p:extLst>
   </p:cm>
@@ -189,7 +189,7 @@
     <p:text/>
     <p:extLst>
       <p:ext uri="{C676402C-5697-4E1C-873F-D02D1690AC5C}">
-        <p15:threadingInfo xmlns:p15="http://schemas.microsoft.com/office/powerpoint/2012/main" xmlns="" timeZoneBias="-540"/>
+        <p15:threadingInfo xmlns:p15="http://schemas.microsoft.com/office/powerpoint/2012/main" timeZoneBias="-540"/>
       </p:ext>
     </p:extLst>
   </p:cm>
@@ -287,7 +287,7 @@
               <a:pPr lvl="0">
                 <a:defRPr lang="ko-KR" altLang="en-US"/>
               </a:pPr>
-              <a:t>2018-10-29</a:t>
+              <a:t>2018-10-30</a:t>
             </a:fld>
             <a:endParaRPr lang="ko-KR" altLang="en-US"/>
           </a:p>
@@ -470,7 +470,7 @@
               <a:pPr lvl="0">
                 <a:defRPr lang="ko-KR" altLang="en-US"/>
               </a:pPr>
-              <a:t>2018-10-29</a:t>
+              <a:t>2018-10-30</a:t>
             </a:fld>
             <a:endParaRPr lang="ko-KR" altLang="en-US"/>
           </a:p>
@@ -4974,7 +4974,7 @@
                 <a:latin typeface="나눔스퀘어 ExtraBold"/>
                 <a:ea typeface="나눔스퀘어 ExtraBold"/>
               </a:rPr>
-              <a:t>2-2주차 : 요정 움직임</a:t>
+              <a:t>2-2주차 : 요정 </a:t>
             </a:r>
             <a:r>
               <a:rPr lang="en-US" altLang="ko-KR" sz="2800" b="0" spc="-150" dirty="0" smtClean="0">
@@ -4984,14 +4984,7 @@
                 <a:latin typeface="나눔스퀘어 ExtraBold"/>
                 <a:ea typeface="나눔스퀘어 ExtraBold"/>
               </a:rPr>
-              <a:t>, </a:t>
-            </a:r>
-            <a:r>
-              <a:rPr lang="ko-KR" altLang="en-US" sz="2800" spc="-150" dirty="0" smtClean="0">
-                <a:latin typeface="나눔스퀘어 ExtraBold"/>
-                <a:ea typeface="나눔스퀘어 ExtraBold"/>
-              </a:rPr>
-              <a:t>패턴 </a:t>
+              <a:t>wave1 </a:t>
             </a:r>
             <a:r>
               <a:rPr lang="ko-KR" altLang="en-US" sz="2800" b="0" spc="-150" dirty="0" smtClean="0">
@@ -5001,7 +4994,7 @@
                 <a:latin typeface="나눔스퀘어 ExtraBold"/>
                 <a:ea typeface="나눔스퀘어 ExtraBold"/>
               </a:rPr>
-              <a:t>구현</a:t>
+              <a:t>움직임</a:t>
             </a:r>
             <a:r>
               <a:rPr lang="en-US" altLang="ko-KR" sz="2800" b="0" spc="-150" dirty="0" smtClean="0">
@@ -5014,6 +5007,13 @@
               <a:t>, </a:t>
             </a:r>
             <a:r>
+              <a:rPr lang="ko-KR" altLang="en-US" sz="2800" spc="-150" dirty="0" smtClean="0">
+                <a:latin typeface="나눔스퀘어 ExtraBold"/>
+                <a:ea typeface="나눔스퀘어 ExtraBold"/>
+              </a:rPr>
+              <a:t>패턴 </a:t>
+            </a:r>
+            <a:r>
               <a:rPr lang="ko-KR" altLang="en-US" sz="2800" b="0" spc="-150" dirty="0" smtClean="0">
                 <a:solidFill>
                   <a:schemeClr val="tx1"/>
@@ -5021,20 +5021,18 @@
                 <a:latin typeface="나눔스퀘어 ExtraBold"/>
                 <a:ea typeface="나눔스퀘어 ExtraBold"/>
               </a:rPr>
-              <a:t>아이템</a:t>
-            </a:r>
-            <a:endParaRPr lang="ko-KR" altLang="en-US" sz="2800" b="0" spc="-150" dirty="0" smtClean="0">
-              <a:solidFill>
-                <a:schemeClr val="tx1"/>
-              </a:solidFill>
-              <a:latin typeface="나눔스퀘어 ExtraBold"/>
-              <a:ea typeface="나눔스퀘어 ExtraBold"/>
-            </a:endParaRPr>
-          </a:p>
-          <a:p>
-            <a:pPr>
-              <a:defRPr lang="ko-KR" altLang="en-US"/>
-            </a:pPr>
+              <a:t>구현</a:t>
+            </a:r>
+            <a:r>
+              <a:rPr lang="en-US" altLang="ko-KR" sz="2800" b="0" spc="-150" dirty="0" smtClean="0">
+                <a:solidFill>
+                  <a:schemeClr val="tx1"/>
+                </a:solidFill>
+                <a:latin typeface="나눔스퀘어 ExtraBold"/>
+                <a:ea typeface="나눔스퀘어 ExtraBold"/>
+              </a:rPr>
+              <a:t>, </a:t>
+            </a:r>
             <a:r>
               <a:rPr lang="ko-KR" altLang="en-US" sz="2800" b="0" spc="-150" dirty="0" smtClean="0">
                 <a:solidFill>
@@ -5043,6 +5041,21 @@
                 <a:latin typeface="나눔스퀘어 ExtraBold"/>
                 <a:ea typeface="나눔스퀘어 ExtraBold"/>
               </a:rPr>
+              <a:t>아이템</a:t>
+            </a:r>
+          </a:p>
+          <a:p>
+            <a:pPr>
+              <a:defRPr lang="ko-KR" altLang="en-US"/>
+            </a:pPr>
+            <a:r>
+              <a:rPr lang="ko-KR" altLang="en-US" sz="2800" b="0" spc="-150" dirty="0" smtClean="0">
+                <a:solidFill>
+                  <a:schemeClr val="tx1"/>
+                </a:solidFill>
+                <a:latin typeface="나눔스퀘어 ExtraBold"/>
+                <a:ea typeface="나눔스퀘어 ExtraBold"/>
+              </a:rPr>
               <a:t>3-1</a:t>
             </a:r>
             <a:r>
@@ -5064,6 +5077,66 @@
                 <a:ea typeface="나눔스퀘어 ExtraBold"/>
               </a:rPr>
               <a:t>충돌 처리</a:t>
+            </a:r>
+            <a:r>
+              <a:rPr lang="en-US" altLang="ko-KR" sz="2800" b="0" spc="-150" dirty="0" smtClean="0">
+                <a:solidFill>
+                  <a:schemeClr val="tx1"/>
+                </a:solidFill>
+                <a:latin typeface="나눔스퀘어 ExtraBold"/>
+                <a:ea typeface="나눔스퀘어 ExtraBold"/>
+              </a:rPr>
+              <a:t>, </a:t>
+            </a:r>
+            <a:r>
+              <a:rPr lang="ko-KR" altLang="en-US" sz="2800" b="0" spc="-150" dirty="0" smtClean="0">
+                <a:solidFill>
+                  <a:schemeClr val="tx1"/>
+                </a:solidFill>
+                <a:latin typeface="나눔스퀘어 ExtraBold"/>
+                <a:ea typeface="나눔스퀘어 ExtraBold"/>
+              </a:rPr>
+              <a:t>요정 나머지 </a:t>
+            </a:r>
+            <a:r>
+              <a:rPr lang="en-US" altLang="ko-KR" sz="2800" b="0" spc="-150" dirty="0" smtClean="0">
+                <a:solidFill>
+                  <a:schemeClr val="tx1"/>
+                </a:solidFill>
+                <a:latin typeface="나눔스퀘어 ExtraBold"/>
+                <a:ea typeface="나눔스퀘어 ExtraBold"/>
+              </a:rPr>
+              <a:t>wave</a:t>
+            </a:r>
+            <a:r>
+              <a:rPr lang="ko-KR" altLang="en-US" sz="2800" b="0" spc="-150" dirty="0" smtClean="0">
+                <a:solidFill>
+                  <a:schemeClr val="tx1"/>
+                </a:solidFill>
+                <a:latin typeface="나눔스퀘어 ExtraBold"/>
+                <a:ea typeface="나눔스퀘어 ExtraBold"/>
+              </a:rPr>
+              <a:t>들</a:t>
+            </a:r>
+            <a:r>
+              <a:rPr lang="en-US" altLang="ko-KR" sz="2800" b="0" spc="-150" dirty="0" smtClean="0">
+                <a:solidFill>
+                  <a:schemeClr val="tx1"/>
+                </a:solidFill>
+                <a:latin typeface="나눔스퀘어 ExtraBold"/>
+                <a:ea typeface="나눔스퀘어 ExtraBold"/>
+              </a:rPr>
+              <a:t> </a:t>
+            </a:r>
+            <a:r>
+              <a:rPr lang="ko-KR" altLang="en-US" sz="2800" b="0" spc="-150" dirty="0" smtClean="0">
+                <a:solidFill>
+                  <a:schemeClr val="tx1"/>
+                </a:solidFill>
+                <a:latin typeface="나눔스퀘어 ExtraBold"/>
+                <a:ea typeface="나눔스퀘어 ExtraBold"/>
+              </a:rPr>
+              <a:t>구현</a:t>
             </a:r>
             <a:endParaRPr lang="en-US" altLang="ko-KR" sz="2800" b="0" spc="-150" dirty="0" smtClean="0">
               <a:solidFill>
@@ -6052,7 +6125,7 @@
                 <a:latin typeface="나눔스퀘어 ExtraBold"/>
                 <a:ea typeface="나눔스퀘어 ExtraBold"/>
               </a:rPr>
-              <a:t>파란색 아이템 </a:t>
+              <a:t>파란색아이템 </a:t>
             </a:r>
             <a:r>
               <a:rPr lang="ko-KR" altLang="en-US" sz="2800" b="0" spc="-150" dirty="0" err="1" smtClean="0">
@@ -6075,11 +6148,53 @@
               <a:t> </a:t>
             </a:r>
             <a:r>
+              <a:rPr lang="en-US" altLang="ko-KR" sz="2800" spc="-150" dirty="0">
+                <a:latin typeface="나눔스퀘어 ExtraBold"/>
+                <a:ea typeface="나눔스퀘어 ExtraBold"/>
+              </a:rPr>
+              <a:t>2</a:t>
+            </a:r>
+            <a:r>
               <a:rPr lang="en-US" altLang="ko-KR" sz="2800" spc="-150" dirty="0" smtClean="0">
                 <a:latin typeface="나눔스퀘어 ExtraBold"/>
                 <a:ea typeface="나눔스퀘어 ExtraBold"/>
               </a:rPr>
-              <a:t>100       </a:t>
+              <a:t>00   </a:t>
+            </a:r>
+            <a:r>
+              <a:rPr lang="ko-KR" altLang="en-US" sz="2800" spc="-150" dirty="0" smtClean="0">
+                <a:latin typeface="나눔스퀘어 ExtraBold"/>
+                <a:ea typeface="나눔스퀘어 ExtraBold"/>
+              </a:rPr>
+              <a:t>빨간색</a:t>
+            </a:r>
+            <a:r>
+              <a:rPr lang="ko-KR" altLang="en-US" sz="2800" spc="-150" dirty="0" smtClean="0">
+                <a:latin typeface="나눔스퀘어 ExtraBold"/>
+                <a:ea typeface="나눔스퀘어 ExtraBold"/>
+              </a:rPr>
+              <a:t>아이템 </a:t>
+            </a:r>
+            <a:r>
+              <a:rPr lang="ko-KR" altLang="en-US" sz="2800" spc="-150" dirty="0" err="1" smtClean="0">
+                <a:latin typeface="나눔스퀘어 ExtraBold"/>
+                <a:ea typeface="나눔스퀘어 ExtraBold"/>
+              </a:rPr>
+              <a:t>획득시</a:t>
+            </a:r>
+            <a:r>
+              <a:rPr lang="ko-KR" altLang="en-US" sz="2800" spc="-150" dirty="0" smtClean="0">
+                <a:latin typeface="나눔스퀘어 ExtraBold"/>
+                <a:ea typeface="나눔스퀘어 ExtraBold"/>
+              </a:rPr>
+              <a:t> </a:t>
+            </a:r>
+            <a:r>
+              <a:rPr lang="en-US" altLang="ko-KR" sz="2800" spc="-150" dirty="0" smtClean="0">
+                <a:latin typeface="나눔스퀘어 ExtraBold"/>
+                <a:ea typeface="나눔스퀘어 ExtraBold"/>
+              </a:rPr>
+              <a:t>100   </a:t>
             </a:r>
             <a:r>
               <a:rPr lang="ko-KR" altLang="en-US" sz="2800" spc="-150" dirty="0" smtClean="0">
